--- a/Games/game.pptx
+++ b/Games/game.pptx
@@ -6,18 +6,21 @@
     <p:sldMasterId id="2147483698" r:id="rId2"/>
   </p:sldMasterIdLst>
   <p:notesMasterIdLst>
-    <p:notesMasterId r:id="rId9"/>
+    <p:notesMasterId r:id="rId12"/>
   </p:notesMasterIdLst>
   <p:handoutMasterIdLst>
-    <p:handoutMasterId r:id="rId10"/>
+    <p:handoutMasterId r:id="rId13"/>
   </p:handoutMasterIdLst>
   <p:sldIdLst>
     <p:sldId id="265" r:id="rId3"/>
     <p:sldId id="270" r:id="rId4"/>
     <p:sldId id="340" r:id="rId5"/>
     <p:sldId id="343" r:id="rId6"/>
-    <p:sldId id="342" r:id="rId7"/>
-    <p:sldId id="263" r:id="rId8"/>
+    <p:sldId id="345" r:id="rId7"/>
+    <p:sldId id="344" r:id="rId8"/>
+    <p:sldId id="346" r:id="rId9"/>
+    <p:sldId id="342" r:id="rId10"/>
+    <p:sldId id="263" r:id="rId11"/>
   </p:sldIdLst>
   <p:sldSz cx="9144000" cy="5143500" type="screen16x9"/>
   <p:notesSz cx="6858000" cy="9144000"/>
@@ -218,7 +221,7 @@
             <a:fld id="{19412975-4CFD-C441-A244-B7FD9A9579C2}" type="datetimeFigureOut">
               <a:rPr lang="en-US" smtClean="0"/>
               <a:pPr/>
-              <a:t>11/2/2021</a:t>
+              <a:t>11/7/2021</a:t>
             </a:fld>
             <a:endParaRPr lang="en-US"/>
           </a:p>
@@ -386,7 +389,7 @@
             <a:fld id="{6DAFD1C8-470D-774F-8B40-381C3059BD4A}" type="datetimeFigureOut">
               <a:rPr lang="en-US" smtClean="0"/>
               <a:pPr/>
-              <a:t>11/2/2021</a:t>
+              <a:t>11/7/2021</a:t>
             </a:fld>
             <a:endParaRPr lang="en-US"/>
           </a:p>
@@ -1080,7 +1083,7 @@
     </p:spTree>
     <p:extLst>
       <p:ext uri="{BB962C8B-B14F-4D97-AF65-F5344CB8AC3E}">
-        <p14:creationId xmlns:p14="http://schemas.microsoft.com/office/powerpoint/2010/main" val="4141916666"/>
+        <p14:creationId xmlns:p14="http://schemas.microsoft.com/office/powerpoint/2010/main" val="2979750310"/>
       </p:ext>
     </p:extLst>
   </p:cSld>
@@ -1134,7 +1137,9 @@
           <a:bodyPr/>
           <a:lstStyle/>
           <a:p>
-            <a:endParaRPr lang="ru-RU" dirty="0"/>
+            <a:endParaRPr lang="ru-RU" dirty="0">
+              <a:effectLst/>
+            </a:endParaRPr>
           </a:p>
         </p:txBody>
       </p:sp>
@@ -1156,7 +1161,179 @@
             <a:fld id="{F449711C-DB87-6342-8123-FE7E39EB0067}" type="slidenum">
               <a:rPr lang="en-US" smtClean="0"/>
               <a:pPr/>
-              <a:t>6</a:t>
+              <a:t>7</a:t>
+            </a:fld>
+            <a:endParaRPr lang="en-US"/>
+          </a:p>
+        </p:txBody>
+      </p:sp>
+    </p:spTree>
+    <p:extLst>
+      <p:ext uri="{BB962C8B-B14F-4D97-AF65-F5344CB8AC3E}">
+        <p14:creationId xmlns:p14="http://schemas.microsoft.com/office/powerpoint/2010/main" val="2237128784"/>
+      </p:ext>
+    </p:extLst>
+  </p:cSld>
+  <p:clrMapOvr>
+    <a:masterClrMapping/>
+  </p:clrMapOvr>
+</p:notes>
+</file>
+
+<file path=ppt/notesSlides/notesSlide7.xml><?xml version="1.0" encoding="utf-8"?>
+<p:notes xmlns:a="http://schemas.openxmlformats.org/drawingml/2006/main" xmlns:r="http://schemas.openxmlformats.org/officeDocument/2006/relationships" xmlns:p="http://schemas.openxmlformats.org/presentationml/2006/main">
+  <p:cSld>
+    <p:spTree>
+      <p:nvGrpSpPr>
+        <p:cNvPr id="1" name=""/>
+        <p:cNvGrpSpPr/>
+        <p:nvPr/>
+      </p:nvGrpSpPr>
+      <p:grpSpPr>
+        <a:xfrm>
+          <a:off x="0" y="0"/>
+          <a:ext cx="0" cy="0"/>
+          <a:chOff x="0" y="0"/>
+          <a:chExt cx="0" cy="0"/>
+        </a:xfrm>
+      </p:grpSpPr>
+      <p:sp>
+        <p:nvSpPr>
+          <p:cNvPr id="2" name="Образ слайда 1"/>
+          <p:cNvSpPr>
+            <a:spLocks noGrp="1" noRot="1" noChangeAspect="1"/>
+          </p:cNvSpPr>
+          <p:nvPr>
+            <p:ph type="sldImg"/>
+          </p:nvPr>
+        </p:nvSpPr>
+        <p:spPr/>
+      </p:sp>
+      <p:sp>
+        <p:nvSpPr>
+          <p:cNvPr id="3" name="Заметки 2"/>
+          <p:cNvSpPr>
+            <a:spLocks noGrp="1"/>
+          </p:cNvSpPr>
+          <p:nvPr>
+            <p:ph type="body" idx="1"/>
+          </p:nvPr>
+        </p:nvSpPr>
+        <p:spPr/>
+        <p:txBody>
+          <a:bodyPr/>
+          <a:lstStyle/>
+          <a:p>
+            <a:endParaRPr lang="ru-RU" dirty="0">
+              <a:effectLst/>
+            </a:endParaRPr>
+          </a:p>
+        </p:txBody>
+      </p:sp>
+      <p:sp>
+        <p:nvSpPr>
+          <p:cNvPr id="4" name="Номер слайда 3"/>
+          <p:cNvSpPr>
+            <a:spLocks noGrp="1"/>
+          </p:cNvSpPr>
+          <p:nvPr>
+            <p:ph type="sldNum" sz="quarter" idx="10"/>
+          </p:nvPr>
+        </p:nvSpPr>
+        <p:spPr/>
+        <p:txBody>
+          <a:bodyPr/>
+          <a:lstStyle/>
+          <a:p>
+            <a:fld id="{F449711C-DB87-6342-8123-FE7E39EB0067}" type="slidenum">
+              <a:rPr lang="en-US" smtClean="0"/>
+              <a:pPr/>
+              <a:t>8</a:t>
+            </a:fld>
+            <a:endParaRPr lang="en-US"/>
+          </a:p>
+        </p:txBody>
+      </p:sp>
+    </p:spTree>
+    <p:extLst>
+      <p:ext uri="{BB962C8B-B14F-4D97-AF65-F5344CB8AC3E}">
+        <p14:creationId xmlns:p14="http://schemas.microsoft.com/office/powerpoint/2010/main" val="4141916666"/>
+      </p:ext>
+    </p:extLst>
+  </p:cSld>
+  <p:clrMapOvr>
+    <a:masterClrMapping/>
+  </p:clrMapOvr>
+</p:notes>
+</file>
+
+<file path=ppt/notesSlides/notesSlide8.xml><?xml version="1.0" encoding="utf-8"?>
+<p:notes xmlns:a="http://schemas.openxmlformats.org/drawingml/2006/main" xmlns:r="http://schemas.openxmlformats.org/officeDocument/2006/relationships" xmlns:p="http://schemas.openxmlformats.org/presentationml/2006/main">
+  <p:cSld>
+    <p:spTree>
+      <p:nvGrpSpPr>
+        <p:cNvPr id="1" name=""/>
+        <p:cNvGrpSpPr/>
+        <p:nvPr/>
+      </p:nvGrpSpPr>
+      <p:grpSpPr>
+        <a:xfrm>
+          <a:off x="0" y="0"/>
+          <a:ext cx="0" cy="0"/>
+          <a:chOff x="0" y="0"/>
+          <a:chExt cx="0" cy="0"/>
+        </a:xfrm>
+      </p:grpSpPr>
+      <p:sp>
+        <p:nvSpPr>
+          <p:cNvPr id="2" name="Образ слайда 1"/>
+          <p:cNvSpPr>
+            <a:spLocks noGrp="1" noRot="1" noChangeAspect="1"/>
+          </p:cNvSpPr>
+          <p:nvPr>
+            <p:ph type="sldImg"/>
+          </p:nvPr>
+        </p:nvSpPr>
+        <p:spPr/>
+      </p:sp>
+      <p:sp>
+        <p:nvSpPr>
+          <p:cNvPr id="3" name="Заметки 2"/>
+          <p:cNvSpPr>
+            <a:spLocks noGrp="1"/>
+          </p:cNvSpPr>
+          <p:nvPr>
+            <p:ph type="body" idx="1"/>
+          </p:nvPr>
+        </p:nvSpPr>
+        <p:spPr/>
+        <p:txBody>
+          <a:bodyPr/>
+          <a:lstStyle/>
+          <a:p>
+            <a:endParaRPr lang="ru-RU" dirty="0"/>
+          </a:p>
+        </p:txBody>
+      </p:sp>
+      <p:sp>
+        <p:nvSpPr>
+          <p:cNvPr id="4" name="Номер слайда 3"/>
+          <p:cNvSpPr>
+            <a:spLocks noGrp="1"/>
+          </p:cNvSpPr>
+          <p:nvPr>
+            <p:ph type="sldNum" sz="quarter" idx="10"/>
+          </p:nvPr>
+        </p:nvSpPr>
+        <p:spPr/>
+        <p:txBody>
+          <a:bodyPr/>
+          <a:lstStyle/>
+          <a:p>
+            <a:fld id="{F449711C-DB87-6342-8123-FE7E39EB0067}" type="slidenum">
+              <a:rPr lang="en-US" smtClean="0"/>
+              <a:pPr/>
+              <a:t>9</a:t>
             </a:fld>
             <a:endParaRPr lang="en-US"/>
           </a:p>
@@ -6352,7 +6529,7 @@
             <p:spPr>
               <a:xfrm>
                 <a:off x="2100404" y="3865830"/>
-                <a:ext cx="6722610" cy="794833"/>
+                <a:ext cx="6780318" cy="1071832"/>
               </a:xfrm>
               <a:prstGeom prst="rect">
                 <a:avLst/>
@@ -6428,18 +6605,6 @@
                         </m:nary>
                       </m:den>
                     </m:f>
-                    <m:r>
-                      <a:rPr lang="en-US" b="0" i="1" smtClean="0">
-                        <a:latin typeface="Cambria Math" panose="02040503050406030204" pitchFamily="18" charset="0"/>
-                      </a:rPr>
-                      <m:t>−</m:t>
-                    </m:r>
-                    <m:r>
-                      <a:rPr lang="en-US" b="0" i="1" smtClean="0">
-                        <a:latin typeface="Cambria Math" panose="02040503050406030204" pitchFamily="18" charset="0"/>
-                      </a:rPr>
-                      <m:t>𝑎</m:t>
-                    </m:r>
                   </m:oMath>
                 </a14:m>
                 <a:r>
@@ -6557,6 +6722,52 @@
                   <a:rPr lang="ru-RU" dirty="0"/>
                   <a:t>аналогично.</a:t>
                 </a:r>
+                <a:endParaRPr lang="en-US" dirty="0"/>
+              </a:p>
+              <a:p>
+                <a:pPr marL="285750" indent="-285750">
+                  <a:buFont typeface="Arial" panose="020B0604020202020204" pitchFamily="34" charset="0"/>
+                  <a:buChar char="•"/>
+                </a:pPr>
+                <a:r>
+                  <a:rPr lang="ru-RU" dirty="0"/>
+                  <a:t>Восстановить цену игры </a:t>
+                </a:r>
+                <a14:m>
+                  <m:oMath xmlns:m="http://schemas.openxmlformats.org/officeDocument/2006/math">
+                    <m:r>
+                      <a:rPr lang="en-US" b="0" i="1" smtClean="0">
+                        <a:latin typeface="Cambria Math" panose="02040503050406030204" pitchFamily="18" charset="0"/>
+                      </a:rPr>
+                      <m:t>𝐼</m:t>
+                    </m:r>
+                    <m:r>
+                      <a:rPr lang="en-US" b="0" i="1" smtClean="0">
+                        <a:latin typeface="Cambria Math" panose="02040503050406030204" pitchFamily="18" charset="0"/>
+                      </a:rPr>
+                      <m:t>=</m:t>
+                    </m:r>
+                    <m:r>
+                      <a:rPr lang="en-US" b="0" i="1" smtClean="0">
+                        <a:latin typeface="Cambria Math" panose="02040503050406030204" pitchFamily="18" charset="0"/>
+                      </a:rPr>
+                      <m:t>𝐼</m:t>
+                    </m:r>
+                    <m:r>
+                      <a:rPr lang="en-US" b="0" i="1" smtClean="0">
+                        <a:latin typeface="Cambria Math" panose="02040503050406030204" pitchFamily="18" charset="0"/>
+                      </a:rPr>
+                      <m:t>−</m:t>
+                    </m:r>
+                    <m:r>
+                      <a:rPr lang="en-US" b="0" i="1" smtClean="0">
+                        <a:latin typeface="Cambria Math" panose="02040503050406030204" pitchFamily="18" charset="0"/>
+                      </a:rPr>
+                      <m:t>𝑎</m:t>
+                    </m:r>
+                  </m:oMath>
+                </a14:m>
+                <a:endParaRPr lang="ru-RU" dirty="0"/>
               </a:p>
             </p:txBody>
           </p:sp>
@@ -6579,7 +6790,7 @@
             <p:spPr>
               <a:xfrm>
                 <a:off x="2100404" y="3865830"/>
-                <a:ext cx="6722610" cy="794833"/>
+                <a:ext cx="6780318" cy="1071832"/>
               </a:xfrm>
               <a:prstGeom prst="rect">
                 <a:avLst/>
@@ -6587,7 +6798,7 @@
               <a:blipFill>
                 <a:blip r:embed="rId7"/>
                 <a:stretch>
-                  <a:fillRect l="-635" t="-11450" r="-907" b="-28244"/>
+                  <a:fillRect l="-629" t="-8523" b="-7955"/>
                 </a:stretch>
               </a:blipFill>
             </p:spPr>
@@ -6883,6 +7094,1739 @@
                   <a:srgbClr val="0230AC"/>
                 </a:solidFill>
               </a:rPr>
+              <a:t>Метод Брауна-Робинсона</a:t>
+            </a:r>
+            <a:endParaRPr lang="en-US" sz="2500" b="1" dirty="0">
+              <a:solidFill>
+                <a:srgbClr val="0230AC"/>
+              </a:solidFill>
+            </a:endParaRPr>
+          </a:p>
+        </p:txBody>
+      </p:sp>
+      <p:sp>
+        <p:nvSpPr>
+          <p:cNvPr id="2" name="Title 1">
+            <a:extLst>
+              <a:ext uri="{FF2B5EF4-FFF2-40B4-BE49-F238E27FC236}">
+                <a16:creationId xmlns:a16="http://schemas.microsoft.com/office/drawing/2014/main" id="{D6D020BA-2777-45DF-873F-47F8AD7560C2}"/>
+              </a:ext>
+            </a:extLst>
+          </p:cNvPr>
+          <p:cNvSpPr txBox="1">
+            <a:spLocks/>
+          </p:cNvSpPr>
+          <p:nvPr/>
+        </p:nvSpPr>
+        <p:spPr>
+          <a:xfrm>
+            <a:off x="0" y="576279"/>
+            <a:ext cx="8147957" cy="3782788"/>
+          </a:xfrm>
+          <a:prstGeom prst="rect">
+            <a:avLst/>
+          </a:prstGeom>
+        </p:spPr>
+        <p:txBody>
+          <a:bodyPr vert="horz" lIns="91440" tIns="45720" rIns="91440" bIns="45720" rtlCol="0" anchor="b">
+            <a:noAutofit/>
+          </a:bodyPr>
+          <a:lstStyle>
+            <a:lvl1pPr algn="l" defTabSz="457200" rtl="0" eaLnBrk="1" latinLnBrk="0" hangingPunct="1">
+              <a:spcBef>
+                <a:spcPct val="0"/>
+              </a:spcBef>
+              <a:buNone/>
+              <a:defRPr sz="3200" b="0" i="0" kern="1200" baseline="0">
+                <a:solidFill>
+                  <a:schemeClr val="tx1"/>
+                </a:solidFill>
+                <a:latin typeface="+mj-lt"/>
+                <a:ea typeface="+mj-ea"/>
+                <a:cs typeface="+mj-cs"/>
+              </a:defRPr>
+            </a:lvl1pPr>
+          </a:lstStyle>
+          <a:p>
+            <a:pPr marL="285750" indent="-285750" algn="just">
+              <a:buFont typeface="Arial" panose="020B0604020202020204" pitchFamily="34" charset="0"/>
+              <a:buChar char="•"/>
+            </a:pPr>
+            <a:r>
+              <a:rPr lang="ru-RU" sz="1200" dirty="0">
+                <a:solidFill>
+                  <a:srgbClr val="000000"/>
+                </a:solidFill>
+              </a:rPr>
+              <a:t>Шаг 1: выбрать начальные стратегии по критериям максимизации выигрыша (для 1 игрока) и минимизации проигрыша  (для 2 игрока). </a:t>
+            </a:r>
+          </a:p>
+          <a:p>
+            <a:pPr marL="742950" lvl="1" indent="-285750" algn="just">
+              <a:buFont typeface="Arial" panose="020B0604020202020204" pitchFamily="34" charset="0"/>
+              <a:buChar char="•"/>
+            </a:pPr>
+            <a:r>
+              <a:rPr lang="ru-RU" sz="1200" dirty="0">
+                <a:solidFill>
+                  <a:srgbClr val="000000"/>
+                </a:solidFill>
+              </a:rPr>
+              <a:t>Создать смешанные стратегии </a:t>
+            </a:r>
+            <a:r>
+              <a:rPr lang="en-US" sz="1200" dirty="0">
+                <a:solidFill>
+                  <a:srgbClr val="000000"/>
+                </a:solidFill>
+              </a:rPr>
+              <a:t>P </a:t>
+            </a:r>
+            <a:r>
+              <a:rPr lang="ru-RU" sz="1200" dirty="0">
+                <a:solidFill>
+                  <a:srgbClr val="000000"/>
+                </a:solidFill>
+              </a:rPr>
+              <a:t>и </a:t>
+            </a:r>
+            <a:r>
+              <a:rPr lang="en-US" sz="1200" dirty="0">
+                <a:solidFill>
+                  <a:srgbClr val="000000"/>
+                </a:solidFill>
+              </a:rPr>
+              <a:t>Q </a:t>
+            </a:r>
+            <a:r>
+              <a:rPr lang="ru-RU" sz="1200" dirty="0">
+                <a:solidFill>
+                  <a:srgbClr val="000000"/>
+                </a:solidFill>
+              </a:rPr>
+              <a:t>из выбранных чистых</a:t>
+            </a:r>
+          </a:p>
+          <a:p>
+            <a:pPr marL="742950" lvl="1" indent="-285750" algn="just">
+              <a:buFont typeface="Arial" panose="020B0604020202020204" pitchFamily="34" charset="0"/>
+              <a:buChar char="•"/>
+            </a:pPr>
+            <a:r>
+              <a:rPr lang="ru-RU" sz="1200" dirty="0">
+                <a:solidFill>
+                  <a:srgbClr val="000000"/>
+                </a:solidFill>
+              </a:rPr>
+              <a:t>Посчитать критерии эффективности полученных стратегий</a:t>
+            </a:r>
+            <a:r>
+              <a:rPr lang="en-US" sz="1200" dirty="0">
+                <a:solidFill>
+                  <a:srgbClr val="000000"/>
+                </a:solidFill>
+              </a:rPr>
+              <a:t> </a:t>
+            </a:r>
+            <a:r>
+              <a:rPr lang="el-GR" sz="1200" dirty="0">
+                <a:solidFill>
+                  <a:srgbClr val="000000"/>
+                </a:solidFill>
+              </a:rPr>
+              <a:t>α</a:t>
+            </a:r>
+            <a:r>
+              <a:rPr lang="en-US" sz="1200" dirty="0">
+                <a:solidFill>
+                  <a:srgbClr val="000000"/>
+                </a:solidFill>
+              </a:rPr>
+              <a:t> </a:t>
+            </a:r>
+            <a:r>
+              <a:rPr lang="ru-RU" sz="1200" dirty="0">
+                <a:solidFill>
+                  <a:srgbClr val="000000"/>
+                </a:solidFill>
+              </a:rPr>
+              <a:t>и </a:t>
+            </a:r>
+            <a:r>
+              <a:rPr lang="el-GR" sz="1200" dirty="0">
+                <a:solidFill>
+                  <a:srgbClr val="000000"/>
+                </a:solidFill>
+              </a:rPr>
+              <a:t>β</a:t>
+            </a:r>
+            <a:endParaRPr lang="ru-RU" sz="1200" dirty="0">
+              <a:solidFill>
+                <a:srgbClr val="000000"/>
+              </a:solidFill>
+            </a:endParaRPr>
+          </a:p>
+          <a:p>
+            <a:pPr marL="285750" indent="-285750" algn="just">
+              <a:buFont typeface="Arial" panose="020B0604020202020204" pitchFamily="34" charset="0"/>
+              <a:buChar char="•"/>
+            </a:pPr>
+            <a:r>
+              <a:rPr lang="ru-RU" sz="1200" dirty="0">
+                <a:solidFill>
+                  <a:srgbClr val="000000"/>
+                </a:solidFill>
+              </a:rPr>
+              <a:t>Шаг 2 (итерационный):  </a:t>
+            </a:r>
+          </a:p>
+          <a:p>
+            <a:pPr marL="742950" lvl="1" indent="-285750" algn="just">
+              <a:buFont typeface="Arial" panose="020B0604020202020204" pitchFamily="34" charset="0"/>
+              <a:buChar char="•"/>
+            </a:pPr>
+            <a:r>
+              <a:rPr lang="ru-RU" sz="1200" dirty="0">
+                <a:solidFill>
+                  <a:srgbClr val="000000"/>
+                </a:solidFill>
+              </a:rPr>
+              <a:t>для каждого игрока найти оптимальную чистую стратегию с учетом предыдущей стратегии противника </a:t>
+            </a:r>
+            <a:r>
+              <a:rPr lang="en-US" sz="1200" dirty="0" err="1">
+                <a:solidFill>
+                  <a:srgbClr val="000000"/>
+                </a:solidFill>
+              </a:rPr>
+              <a:t>P</a:t>
+            </a:r>
+            <a:r>
+              <a:rPr lang="en-US" sz="1200" baseline="-25000" dirty="0" err="1">
+                <a:solidFill>
+                  <a:srgbClr val="000000"/>
+                </a:solidFill>
+              </a:rPr>
+              <a:t>prev</a:t>
+            </a:r>
+            <a:r>
+              <a:rPr lang="en-US" sz="1200" baseline="-25000" dirty="0">
+                <a:solidFill>
+                  <a:srgbClr val="000000"/>
+                </a:solidFill>
+              </a:rPr>
+              <a:t> </a:t>
+            </a:r>
+            <a:r>
+              <a:rPr lang="ru-RU" sz="1200" dirty="0">
+                <a:solidFill>
+                  <a:srgbClr val="000000"/>
+                </a:solidFill>
+              </a:rPr>
+              <a:t>и </a:t>
+            </a:r>
+            <a:r>
+              <a:rPr lang="en-US" sz="1200" dirty="0" err="1">
+                <a:solidFill>
+                  <a:srgbClr val="000000"/>
+                </a:solidFill>
+              </a:rPr>
+              <a:t>Q</a:t>
+            </a:r>
+            <a:r>
+              <a:rPr lang="en-US" sz="1200" baseline="-25000" dirty="0" err="1">
+                <a:solidFill>
+                  <a:srgbClr val="000000"/>
+                </a:solidFill>
+              </a:rPr>
+              <a:t>prev</a:t>
+            </a:r>
+            <a:r>
+              <a:rPr lang="en-US" sz="1200" dirty="0">
+                <a:solidFill>
+                  <a:srgbClr val="000000"/>
+                </a:solidFill>
+              </a:rPr>
+              <a:t>.</a:t>
+            </a:r>
+            <a:endParaRPr lang="ru-RU" sz="1200" dirty="0">
+              <a:solidFill>
+                <a:srgbClr val="000000"/>
+              </a:solidFill>
+            </a:endParaRPr>
+          </a:p>
+          <a:p>
+            <a:pPr marL="742950" lvl="1" indent="-285750" algn="just">
+              <a:buFont typeface="Arial" panose="020B0604020202020204" pitchFamily="34" charset="0"/>
+              <a:buChar char="•"/>
+            </a:pPr>
+            <a:r>
+              <a:rPr lang="ru-RU" sz="1200" dirty="0">
+                <a:solidFill>
+                  <a:srgbClr val="000000"/>
+                </a:solidFill>
+              </a:rPr>
+              <a:t>Обновить смешанные стратегии игроков, с учетом выбранных на этом шаге оптимальных стратегий:</a:t>
+            </a:r>
+          </a:p>
+          <a:p>
+            <a:pPr marL="742950" lvl="1" indent="-285750" algn="just">
+              <a:buFont typeface="Arial" panose="020B0604020202020204" pitchFamily="34" charset="0"/>
+              <a:buChar char="•"/>
+            </a:pPr>
+            <a:endParaRPr lang="ru-RU" sz="1200" dirty="0">
+              <a:solidFill>
+                <a:srgbClr val="000000"/>
+              </a:solidFill>
+            </a:endParaRPr>
+          </a:p>
+          <a:p>
+            <a:pPr marL="742950" lvl="1" indent="-285750" algn="just">
+              <a:buFont typeface="Arial" panose="020B0604020202020204" pitchFamily="34" charset="0"/>
+              <a:buChar char="•"/>
+            </a:pPr>
+            <a:endParaRPr lang="ru-RU" sz="1200" dirty="0">
+              <a:solidFill>
+                <a:srgbClr val="000000"/>
+              </a:solidFill>
+            </a:endParaRPr>
+          </a:p>
+          <a:p>
+            <a:pPr marL="742950" lvl="1" indent="-285750" algn="just">
+              <a:buFont typeface="Arial" panose="020B0604020202020204" pitchFamily="34" charset="0"/>
+              <a:buChar char="•"/>
+            </a:pPr>
+            <a:endParaRPr lang="ru-RU" sz="1200" dirty="0">
+              <a:solidFill>
+                <a:srgbClr val="000000"/>
+              </a:solidFill>
+            </a:endParaRPr>
+          </a:p>
+          <a:p>
+            <a:pPr marL="742950" lvl="1" indent="-285750" algn="just">
+              <a:buFont typeface="Arial" panose="020B0604020202020204" pitchFamily="34" charset="0"/>
+              <a:buChar char="•"/>
+            </a:pPr>
+            <a:endParaRPr lang="ru-RU" sz="1200" dirty="0">
+              <a:solidFill>
+                <a:srgbClr val="000000"/>
+              </a:solidFill>
+            </a:endParaRPr>
+          </a:p>
+          <a:p>
+            <a:pPr marL="742950" lvl="1" indent="-285750" algn="just">
+              <a:buFont typeface="Arial" panose="020B0604020202020204" pitchFamily="34" charset="0"/>
+              <a:buChar char="•"/>
+            </a:pPr>
+            <a:r>
+              <a:rPr lang="ru-RU" sz="1200" dirty="0">
+                <a:solidFill>
+                  <a:srgbClr val="000000"/>
+                </a:solidFill>
+              </a:rPr>
+              <a:t>Рассчитать критерии эффективности  новых стратегий.</a:t>
+            </a:r>
+          </a:p>
+          <a:p>
+            <a:pPr marL="1200150" lvl="2" indent="-285750" algn="just">
+              <a:buFont typeface="Arial" panose="020B0604020202020204" pitchFamily="34" charset="0"/>
+              <a:buChar char="•"/>
+            </a:pPr>
+            <a:r>
+              <a:rPr lang="ru-RU" sz="1200" dirty="0">
+                <a:solidFill>
+                  <a:srgbClr val="000000"/>
+                </a:solidFill>
+              </a:rPr>
+              <a:t>Если критерий улучшился то обновить критерий игры</a:t>
+            </a:r>
+          </a:p>
+          <a:p>
+            <a:pPr marL="1200150" lvl="2" indent="-285750" algn="just">
+              <a:buFont typeface="Arial" panose="020B0604020202020204" pitchFamily="34" charset="0"/>
+              <a:buChar char="•"/>
+            </a:pPr>
+            <a:r>
+              <a:rPr lang="ru-RU" sz="1200" dirty="0">
+                <a:solidFill>
+                  <a:srgbClr val="000000"/>
+                </a:solidFill>
+              </a:rPr>
+              <a:t>Обновить лучшую стратегию </a:t>
+            </a:r>
+          </a:p>
+          <a:p>
+            <a:pPr marL="742950" lvl="1" indent="-285750" algn="just">
+              <a:buFont typeface="Arial" panose="020B0604020202020204" pitchFamily="34" charset="0"/>
+              <a:buChar char="•"/>
+            </a:pPr>
+            <a:r>
+              <a:rPr lang="ru-RU" sz="1200" dirty="0">
+                <a:solidFill>
+                  <a:srgbClr val="000000"/>
+                </a:solidFill>
+              </a:rPr>
+              <a:t>Если разница между критериями игры меньше удвоенной заданной точности, то остановиться, иначе повторить шаг 2.</a:t>
+            </a:r>
+          </a:p>
+          <a:p>
+            <a:pPr marL="742950" lvl="1" indent="-285750" algn="just">
+              <a:buFont typeface="Arial" panose="020B0604020202020204" pitchFamily="34" charset="0"/>
+              <a:buChar char="•"/>
+            </a:pPr>
+            <a:endParaRPr lang="ru-RU" sz="1200" dirty="0">
+              <a:solidFill>
+                <a:srgbClr val="000000"/>
+              </a:solidFill>
+            </a:endParaRPr>
+          </a:p>
+          <a:p>
+            <a:pPr marL="742950" lvl="1" indent="-285750" algn="just">
+              <a:buFont typeface="Arial" panose="020B0604020202020204" pitchFamily="34" charset="0"/>
+              <a:buChar char="•"/>
+            </a:pPr>
+            <a:r>
+              <a:rPr lang="ru-RU" sz="1200" dirty="0">
+                <a:solidFill>
+                  <a:srgbClr val="000000"/>
+                </a:solidFill>
+                <a:latin typeface="+mj-lt"/>
+              </a:rPr>
+              <a:t>Вывести оптимальные стратегии и цену игры, рассчитанную как среднее критериев </a:t>
+            </a:r>
+            <a:r>
+              <a:rPr lang="el-GR" sz="1200" dirty="0">
+                <a:solidFill>
+                  <a:srgbClr val="000000"/>
+                </a:solidFill>
+              </a:rPr>
+              <a:t>α</a:t>
+            </a:r>
+            <a:r>
+              <a:rPr lang="en-US" sz="1200" dirty="0">
+                <a:solidFill>
+                  <a:srgbClr val="000000"/>
+                </a:solidFill>
+              </a:rPr>
+              <a:t> </a:t>
+            </a:r>
+            <a:r>
+              <a:rPr lang="ru-RU" sz="1200" dirty="0">
+                <a:solidFill>
+                  <a:srgbClr val="000000"/>
+                </a:solidFill>
+              </a:rPr>
+              <a:t>и </a:t>
+            </a:r>
+            <a:r>
+              <a:rPr lang="el-GR" sz="1200" dirty="0">
+                <a:solidFill>
+                  <a:srgbClr val="000000"/>
+                </a:solidFill>
+              </a:rPr>
+              <a:t>β</a:t>
+            </a:r>
+            <a:endParaRPr lang="ru-RU" sz="1200" dirty="0">
+              <a:solidFill>
+                <a:srgbClr val="000000"/>
+              </a:solidFill>
+            </a:endParaRPr>
+          </a:p>
+          <a:p>
+            <a:pPr lvl="1" algn="just"/>
+            <a:endParaRPr lang="en-US" sz="1200" dirty="0">
+              <a:solidFill>
+                <a:srgbClr val="000000"/>
+              </a:solidFill>
+              <a:latin typeface="+mj-lt"/>
+            </a:endParaRPr>
+          </a:p>
+        </p:txBody>
+      </p:sp>
+      <p:pic>
+        <p:nvPicPr>
+          <p:cNvPr id="4" name="Рисунок 3">
+            <a:extLst>
+              <a:ext uri="{FF2B5EF4-FFF2-40B4-BE49-F238E27FC236}">
+                <a16:creationId xmlns:a16="http://schemas.microsoft.com/office/drawing/2014/main" id="{4F4819DC-9906-4E43-880B-28A5F71CB1E6}"/>
+              </a:ext>
+            </a:extLst>
+          </p:cNvPr>
+          <p:cNvPicPr>
+            <a:picLocks noChangeAspect="1"/>
+          </p:cNvPicPr>
+          <p:nvPr/>
+        </p:nvPicPr>
+        <p:blipFill>
+          <a:blip r:embed="rId3"/>
+          <a:stretch>
+            <a:fillRect/>
+          </a:stretch>
+        </p:blipFill>
+        <p:spPr>
+          <a:xfrm>
+            <a:off x="2903763" y="2120850"/>
+            <a:ext cx="2340429" cy="579314"/>
+          </a:xfrm>
+          <a:prstGeom prst="rect">
+            <a:avLst/>
+          </a:prstGeom>
+        </p:spPr>
+      </p:pic>
+    </p:spTree>
+    <p:extLst>
+      <p:ext uri="{BB962C8B-B14F-4D97-AF65-F5344CB8AC3E}">
+        <p14:creationId xmlns:p14="http://schemas.microsoft.com/office/powerpoint/2010/main" val="990838229"/>
+      </p:ext>
+    </p:extLst>
+  </p:cSld>
+  <p:clrMapOvr>
+    <a:masterClrMapping/>
+  </p:clrMapOvr>
+</p:sld>
+</file>
+
+<file path=ppt/slides/slide6.xml><?xml version="1.0" encoding="utf-8"?>
+<p:sld xmlns:a="http://schemas.openxmlformats.org/drawingml/2006/main" xmlns:r="http://schemas.openxmlformats.org/officeDocument/2006/relationships" xmlns:p="http://schemas.openxmlformats.org/presentationml/2006/main">
+  <p:cSld>
+    <p:spTree>
+      <p:nvGrpSpPr>
+        <p:cNvPr id="1" name=""/>
+        <p:cNvGrpSpPr/>
+        <p:nvPr/>
+      </p:nvGrpSpPr>
+      <p:grpSpPr>
+        <a:xfrm>
+          <a:off x="0" y="0"/>
+          <a:ext cx="0" cy="0"/>
+          <a:chOff x="0" y="0"/>
+          <a:chExt cx="0" cy="0"/>
+        </a:xfrm>
+      </p:grpSpPr>
+      <p:sp>
+        <p:nvSpPr>
+          <p:cNvPr id="2" name="Заголовок 1">
+            <a:extLst>
+              <a:ext uri="{FF2B5EF4-FFF2-40B4-BE49-F238E27FC236}">
+                <a16:creationId xmlns:a16="http://schemas.microsoft.com/office/drawing/2014/main" id="{4D1CE1E7-D828-45A2-8A75-6FC0CAE17304}"/>
+              </a:ext>
+            </a:extLst>
+          </p:cNvPr>
+          <p:cNvSpPr>
+            <a:spLocks noGrp="1"/>
+          </p:cNvSpPr>
+          <p:nvPr>
+            <p:ph type="title"/>
+          </p:nvPr>
+        </p:nvSpPr>
+        <p:spPr>
+          <a:xfrm>
+            <a:off x="160149" y="156166"/>
+            <a:ext cx="5965438" cy="412661"/>
+          </a:xfrm>
+        </p:spPr>
+        <p:txBody>
+          <a:bodyPr>
+            <a:normAutofit/>
+          </a:bodyPr>
+          <a:lstStyle/>
+          <a:p>
+            <a:r>
+              <a:rPr lang="ru-RU" sz="2000" dirty="0"/>
+              <a:t>Сравнение методов</a:t>
+            </a:r>
+            <a:endParaRPr lang="ru-RU" sz="3600" dirty="0"/>
+          </a:p>
+        </p:txBody>
+      </p:sp>
+      <p:sp>
+        <p:nvSpPr>
+          <p:cNvPr id="4" name="TextBox 3">
+            <a:extLst>
+              <a:ext uri="{FF2B5EF4-FFF2-40B4-BE49-F238E27FC236}">
+                <a16:creationId xmlns:a16="http://schemas.microsoft.com/office/drawing/2014/main" id="{50D5B0A0-8B70-45C4-9D51-943CC0069856}"/>
+              </a:ext>
+            </a:extLst>
+          </p:cNvPr>
+          <p:cNvSpPr txBox="1"/>
+          <p:nvPr/>
+        </p:nvSpPr>
+        <p:spPr>
+          <a:xfrm>
+            <a:off x="160149" y="568827"/>
+            <a:ext cx="5342681" cy="369332"/>
+          </a:xfrm>
+          <a:prstGeom prst="rect">
+            <a:avLst/>
+          </a:prstGeom>
+          <a:noFill/>
+        </p:spPr>
+        <p:txBody>
+          <a:bodyPr wrap="none" rtlCol="0">
+            <a:spAutoFit/>
+          </a:bodyPr>
+          <a:lstStyle/>
+          <a:p>
+            <a:r>
+              <a:rPr lang="ru-RU" dirty="0"/>
+              <a:t>Проверим работу методов на небольшом примере: </a:t>
+            </a:r>
+          </a:p>
+        </p:txBody>
+      </p:sp>
+      <p:pic>
+        <p:nvPicPr>
+          <p:cNvPr id="6" name="Рисунок 5">
+            <a:extLst>
+              <a:ext uri="{FF2B5EF4-FFF2-40B4-BE49-F238E27FC236}">
+                <a16:creationId xmlns:a16="http://schemas.microsoft.com/office/drawing/2014/main" id="{70AAFC73-A32F-4125-B991-EC9820135DAC}"/>
+              </a:ext>
+            </a:extLst>
+          </p:cNvPr>
+          <p:cNvPicPr>
+            <a:picLocks noChangeAspect="1"/>
+          </p:cNvPicPr>
+          <p:nvPr/>
+        </p:nvPicPr>
+        <p:blipFill>
+          <a:blip r:embed="rId2"/>
+          <a:stretch>
+            <a:fillRect/>
+          </a:stretch>
+        </p:blipFill>
+        <p:spPr>
+          <a:xfrm>
+            <a:off x="160149" y="938159"/>
+            <a:ext cx="3028950" cy="885825"/>
+          </a:xfrm>
+          <a:prstGeom prst="rect">
+            <a:avLst/>
+          </a:prstGeom>
+        </p:spPr>
+      </p:pic>
+      <p:pic>
+        <p:nvPicPr>
+          <p:cNvPr id="8" name="Рисунок 7">
+            <a:extLst>
+              <a:ext uri="{FF2B5EF4-FFF2-40B4-BE49-F238E27FC236}">
+                <a16:creationId xmlns:a16="http://schemas.microsoft.com/office/drawing/2014/main" id="{4B3883B8-1081-4434-B4AA-979B9151AF5F}"/>
+              </a:ext>
+            </a:extLst>
+          </p:cNvPr>
+          <p:cNvPicPr>
+            <a:picLocks noChangeAspect="1"/>
+          </p:cNvPicPr>
+          <p:nvPr/>
+        </p:nvPicPr>
+        <p:blipFill>
+          <a:blip r:embed="rId3"/>
+          <a:stretch>
+            <a:fillRect/>
+          </a:stretch>
+        </p:blipFill>
+        <p:spPr>
+          <a:xfrm>
+            <a:off x="343580" y="2452007"/>
+            <a:ext cx="3705225" cy="1219200"/>
+          </a:xfrm>
+          <a:prstGeom prst="rect">
+            <a:avLst/>
+          </a:prstGeom>
+        </p:spPr>
+      </p:pic>
+      <p:sp>
+        <p:nvSpPr>
+          <p:cNvPr id="9" name="TextBox 8">
+            <a:extLst>
+              <a:ext uri="{FF2B5EF4-FFF2-40B4-BE49-F238E27FC236}">
+                <a16:creationId xmlns:a16="http://schemas.microsoft.com/office/drawing/2014/main" id="{E7C2D1B2-E322-4E02-993C-BB394BF04E25}"/>
+              </a:ext>
+            </a:extLst>
+          </p:cNvPr>
+          <p:cNvSpPr txBox="1"/>
+          <p:nvPr/>
+        </p:nvSpPr>
+        <p:spPr>
+          <a:xfrm>
+            <a:off x="160149" y="2008650"/>
+            <a:ext cx="2768515" cy="369332"/>
+          </a:xfrm>
+          <a:prstGeom prst="rect">
+            <a:avLst/>
+          </a:prstGeom>
+          <a:noFill/>
+        </p:spPr>
+        <p:txBody>
+          <a:bodyPr wrap="none" rtlCol="0">
+            <a:spAutoFit/>
+          </a:bodyPr>
+          <a:lstStyle/>
+          <a:p>
+            <a:r>
+              <a:rPr lang="ru-RU" dirty="0"/>
+              <a:t>Метод Брауна-Робинсона:</a:t>
+            </a:r>
+          </a:p>
+        </p:txBody>
+      </p:sp>
+      <p:pic>
+        <p:nvPicPr>
+          <p:cNvPr id="11" name="Рисунок 10">
+            <a:extLst>
+              <a:ext uri="{FF2B5EF4-FFF2-40B4-BE49-F238E27FC236}">
+                <a16:creationId xmlns:a16="http://schemas.microsoft.com/office/drawing/2014/main" id="{EBC58091-C95C-4CF1-BEA3-1E7858F59271}"/>
+              </a:ext>
+            </a:extLst>
+          </p:cNvPr>
+          <p:cNvPicPr>
+            <a:picLocks noChangeAspect="1"/>
+          </p:cNvPicPr>
+          <p:nvPr/>
+        </p:nvPicPr>
+        <p:blipFill>
+          <a:blip r:embed="rId4"/>
+          <a:stretch>
+            <a:fillRect/>
+          </a:stretch>
+        </p:blipFill>
+        <p:spPr>
+          <a:xfrm>
+            <a:off x="6063495" y="1565737"/>
+            <a:ext cx="1266825" cy="2286000"/>
+          </a:xfrm>
+          <a:prstGeom prst="rect">
+            <a:avLst/>
+          </a:prstGeom>
+        </p:spPr>
+      </p:pic>
+      <p:sp>
+        <p:nvSpPr>
+          <p:cNvPr id="12" name="TextBox 11">
+            <a:extLst>
+              <a:ext uri="{FF2B5EF4-FFF2-40B4-BE49-F238E27FC236}">
+                <a16:creationId xmlns:a16="http://schemas.microsoft.com/office/drawing/2014/main" id="{F5250647-C69E-4379-854C-9E947828FA57}"/>
+              </a:ext>
+            </a:extLst>
+          </p:cNvPr>
+          <p:cNvSpPr txBox="1"/>
+          <p:nvPr/>
+        </p:nvSpPr>
+        <p:spPr>
+          <a:xfrm>
+            <a:off x="5203789" y="1196405"/>
+            <a:ext cx="2469843" cy="369332"/>
+          </a:xfrm>
+          <a:prstGeom prst="rect">
+            <a:avLst/>
+          </a:prstGeom>
+          <a:noFill/>
+        </p:spPr>
+        <p:txBody>
+          <a:bodyPr wrap="none" rtlCol="0">
+            <a:spAutoFit/>
+          </a:bodyPr>
+          <a:lstStyle/>
+          <a:p>
+            <a:r>
+              <a:rPr lang="ru-RU" dirty="0"/>
+              <a:t>Метод сведения к ЗЛП:</a:t>
+            </a:r>
+          </a:p>
+        </p:txBody>
+      </p:sp>
+      <p:sp>
+        <p:nvSpPr>
+          <p:cNvPr id="13" name="TextBox 12">
+            <a:extLst>
+              <a:ext uri="{FF2B5EF4-FFF2-40B4-BE49-F238E27FC236}">
+                <a16:creationId xmlns:a16="http://schemas.microsoft.com/office/drawing/2014/main" id="{78921EE8-C837-4B15-A8A1-FA1203481505}"/>
+              </a:ext>
+            </a:extLst>
+          </p:cNvPr>
+          <p:cNvSpPr txBox="1"/>
+          <p:nvPr/>
+        </p:nvSpPr>
+        <p:spPr>
+          <a:xfrm>
+            <a:off x="1732999" y="4312210"/>
+            <a:ext cx="6529480" cy="369332"/>
+          </a:xfrm>
+          <a:prstGeom prst="rect">
+            <a:avLst/>
+          </a:prstGeom>
+          <a:noFill/>
+        </p:spPr>
+        <p:txBody>
+          <a:bodyPr wrap="none" rtlCol="0">
+            <a:spAutoFit/>
+          </a:bodyPr>
+          <a:lstStyle/>
+          <a:p>
+            <a:r>
+              <a:rPr lang="ru-RU" dirty="0"/>
+              <a:t>Решения совпадают с учетом допустимой погрешности </a:t>
+            </a:r>
+            <a:r>
+              <a:rPr lang="en-US" dirty="0"/>
+              <a:t>eps = 0.1</a:t>
+            </a:r>
+            <a:endParaRPr lang="ru-RU" dirty="0"/>
+          </a:p>
+        </p:txBody>
+      </p:sp>
+    </p:spTree>
+    <p:extLst>
+      <p:ext uri="{BB962C8B-B14F-4D97-AF65-F5344CB8AC3E}">
+        <p14:creationId xmlns:p14="http://schemas.microsoft.com/office/powerpoint/2010/main" val="1837657999"/>
+      </p:ext>
+    </p:extLst>
+  </p:cSld>
+  <p:clrMapOvr>
+    <a:masterClrMapping/>
+  </p:clrMapOvr>
+</p:sld>
+</file>
+
+<file path=ppt/slides/slide7.xml><?xml version="1.0" encoding="utf-8"?>
+<p:sld xmlns:a="http://schemas.openxmlformats.org/drawingml/2006/main" xmlns:r="http://schemas.openxmlformats.org/officeDocument/2006/relationships" xmlns:p="http://schemas.openxmlformats.org/presentationml/2006/main">
+  <p:cSld>
+    <p:spTree>
+      <p:nvGrpSpPr>
+        <p:cNvPr id="1" name=""/>
+        <p:cNvGrpSpPr/>
+        <p:nvPr/>
+      </p:nvGrpSpPr>
+      <p:grpSpPr>
+        <a:xfrm>
+          <a:off x="0" y="0"/>
+          <a:ext cx="0" cy="0"/>
+          <a:chOff x="0" y="0"/>
+          <a:chExt cx="0" cy="0"/>
+        </a:xfrm>
+      </p:grpSpPr>
+      <p:sp>
+        <p:nvSpPr>
+          <p:cNvPr id="6" name="Title 1">
+            <a:extLst>
+              <a:ext uri="{FF2B5EF4-FFF2-40B4-BE49-F238E27FC236}">
+                <a16:creationId xmlns:a16="http://schemas.microsoft.com/office/drawing/2014/main" id="{290FAFEE-B028-44A8-8F57-9D774A87E2B5}"/>
+              </a:ext>
+            </a:extLst>
+          </p:cNvPr>
+          <p:cNvSpPr>
+            <a:spLocks noGrp="1"/>
+          </p:cNvSpPr>
+          <p:nvPr>
+            <p:ph type="title"/>
+          </p:nvPr>
+        </p:nvSpPr>
+        <p:spPr>
+          <a:xfrm>
+            <a:off x="0" y="61604"/>
+            <a:ext cx="8745054" cy="441520"/>
+          </a:xfrm>
+        </p:spPr>
+        <p:txBody>
+          <a:bodyPr>
+            <a:noAutofit/>
+          </a:bodyPr>
+          <a:lstStyle/>
+          <a:p>
+            <a:r>
+              <a:rPr lang="ru-RU" sz="2500" b="1" dirty="0">
+                <a:solidFill>
+                  <a:srgbClr val="0230AC"/>
+                </a:solidFill>
+              </a:rPr>
+              <a:t>Время работы</a:t>
+            </a:r>
+            <a:endParaRPr lang="en-US" sz="2500" b="1" dirty="0">
+              <a:solidFill>
+                <a:srgbClr val="0230AC"/>
+              </a:solidFill>
+            </a:endParaRPr>
+          </a:p>
+        </p:txBody>
+      </p:sp>
+      <p:sp>
+        <p:nvSpPr>
+          <p:cNvPr id="3" name="TextBox 2">
+            <a:extLst>
+              <a:ext uri="{FF2B5EF4-FFF2-40B4-BE49-F238E27FC236}">
+                <a16:creationId xmlns:a16="http://schemas.microsoft.com/office/drawing/2014/main" id="{7C0BA793-4580-414B-B842-49791DCACA26}"/>
+              </a:ext>
+            </a:extLst>
+          </p:cNvPr>
+          <p:cNvSpPr txBox="1"/>
+          <p:nvPr/>
+        </p:nvSpPr>
+        <p:spPr>
+          <a:xfrm>
+            <a:off x="0" y="612320"/>
+            <a:ext cx="8745054" cy="584775"/>
+          </a:xfrm>
+          <a:prstGeom prst="rect">
+            <a:avLst/>
+          </a:prstGeom>
+          <a:noFill/>
+        </p:spPr>
+        <p:txBody>
+          <a:bodyPr wrap="square" rtlCol="0">
+            <a:spAutoFit/>
+          </a:bodyPr>
+          <a:lstStyle/>
+          <a:p>
+            <a:r>
+              <a:rPr lang="ru-RU" sz="1600" dirty="0"/>
+              <a:t>В целях сравнения времени работы двух методов, сгенерируем большую 100 на 100 случайную платежную матрицу.</a:t>
+            </a:r>
+          </a:p>
+        </p:txBody>
+      </p:sp>
+      <p:graphicFrame>
+        <p:nvGraphicFramePr>
+          <p:cNvPr id="5" name="Таблица 6">
+            <a:extLst>
+              <a:ext uri="{FF2B5EF4-FFF2-40B4-BE49-F238E27FC236}">
+                <a16:creationId xmlns:a16="http://schemas.microsoft.com/office/drawing/2014/main" id="{25E55866-8CA7-4F76-BEBC-39D5A1BA104E}"/>
+              </a:ext>
+            </a:extLst>
+          </p:cNvPr>
+          <p:cNvGraphicFramePr>
+            <a:graphicFrameLocks noGrp="1"/>
+          </p:cNvGraphicFramePr>
+          <p:nvPr>
+            <p:extLst>
+              <p:ext uri="{D42A27DB-BD31-4B8C-83A1-F6EECF244321}">
+                <p14:modId xmlns:p14="http://schemas.microsoft.com/office/powerpoint/2010/main" val="1249224132"/>
+              </p:ext>
+            </p:extLst>
+          </p:nvPr>
+        </p:nvGraphicFramePr>
+        <p:xfrm>
+          <a:off x="62593" y="1579850"/>
+          <a:ext cx="5742216" cy="1005840"/>
+        </p:xfrm>
+        <a:graphic>
+          <a:graphicData uri="http://schemas.openxmlformats.org/drawingml/2006/table">
+            <a:tbl>
+              <a:tblPr firstRow="1" bandRow="1">
+                <a:tableStyleId>{5C22544A-7EE6-4342-B048-85BDC9FD1C3A}</a:tableStyleId>
+              </a:tblPr>
+              <a:tblGrid>
+                <a:gridCol w="1435554">
+                  <a:extLst>
+                    <a:ext uri="{9D8B030D-6E8A-4147-A177-3AD203B41FA5}">
+                      <a16:colId xmlns:a16="http://schemas.microsoft.com/office/drawing/2014/main" val="1002753045"/>
+                    </a:ext>
+                  </a:extLst>
+                </a:gridCol>
+                <a:gridCol w="1435554">
+                  <a:extLst>
+                    <a:ext uri="{9D8B030D-6E8A-4147-A177-3AD203B41FA5}">
+                      <a16:colId xmlns:a16="http://schemas.microsoft.com/office/drawing/2014/main" val="4111956038"/>
+                    </a:ext>
+                  </a:extLst>
+                </a:gridCol>
+                <a:gridCol w="1435554">
+                  <a:extLst>
+                    <a:ext uri="{9D8B030D-6E8A-4147-A177-3AD203B41FA5}">
+                      <a16:colId xmlns:a16="http://schemas.microsoft.com/office/drawing/2014/main" val="4145286692"/>
+                    </a:ext>
+                  </a:extLst>
+                </a:gridCol>
+                <a:gridCol w="1435554">
+                  <a:extLst>
+                    <a:ext uri="{9D8B030D-6E8A-4147-A177-3AD203B41FA5}">
+                      <a16:colId xmlns:a16="http://schemas.microsoft.com/office/drawing/2014/main" val="2866919158"/>
+                    </a:ext>
+                  </a:extLst>
+                </a:gridCol>
+              </a:tblGrid>
+              <a:tr h="321127">
+                <a:tc>
+                  <a:txBody>
+                    <a:bodyPr/>
+                    <a:lstStyle/>
+                    <a:p>
+                      <a:r>
+                        <a:rPr lang="ru-RU" sz="1600" dirty="0"/>
+                        <a:t>Метод\</a:t>
+                      </a:r>
+                      <a:r>
+                        <a:rPr lang="ru-RU" sz="1600" dirty="0" err="1"/>
+                        <a:t>диап</a:t>
+                      </a:r>
+                      <a:r>
+                        <a:rPr lang="ru-RU" sz="1600" dirty="0"/>
+                        <a:t>.</a:t>
+                      </a:r>
+                    </a:p>
+                  </a:txBody>
+                  <a:tcPr/>
+                </a:tc>
+                <a:tc>
+                  <a:txBody>
+                    <a:bodyPr/>
+                    <a:lstStyle/>
+                    <a:p>
+                      <a:r>
+                        <a:rPr lang="ru-RU" sz="1600" dirty="0"/>
+                        <a:t>От -10 до 10</a:t>
+                      </a:r>
+                    </a:p>
+                  </a:txBody>
+                  <a:tcPr/>
+                </a:tc>
+                <a:tc>
+                  <a:txBody>
+                    <a:bodyPr/>
+                    <a:lstStyle/>
+                    <a:p>
+                      <a:r>
+                        <a:rPr lang="ru-RU" sz="1600" dirty="0"/>
+                        <a:t>От -20 до 20</a:t>
+                      </a:r>
+                    </a:p>
+                  </a:txBody>
+                  <a:tcPr/>
+                </a:tc>
+                <a:tc>
+                  <a:txBody>
+                    <a:bodyPr/>
+                    <a:lstStyle/>
+                    <a:p>
+                      <a:r>
+                        <a:rPr lang="ru-RU" sz="1600" dirty="0"/>
+                        <a:t>От -30 до 30</a:t>
+                      </a:r>
+                    </a:p>
+                  </a:txBody>
+                  <a:tcPr/>
+                </a:tc>
+                <a:extLst>
+                  <a:ext uri="{0D108BD9-81ED-4DB2-BD59-A6C34878D82A}">
+                    <a16:rowId xmlns:a16="http://schemas.microsoft.com/office/drawing/2014/main" val="345066397"/>
+                  </a:ext>
+                </a:extLst>
+              </a:tr>
+              <a:tr h="321127">
+                <a:tc>
+                  <a:txBody>
+                    <a:bodyPr/>
+                    <a:lstStyle/>
+                    <a:p>
+                      <a:r>
+                        <a:rPr lang="ru-RU" sz="1600" dirty="0"/>
+                        <a:t>МСЗЛП</a:t>
+                      </a:r>
+                    </a:p>
+                  </a:txBody>
+                  <a:tcPr/>
+                </a:tc>
+                <a:tc>
+                  <a:txBody>
+                    <a:bodyPr/>
+                    <a:lstStyle/>
+                    <a:p>
+                      <a:r>
+                        <a:rPr lang="en-US" sz="1600" dirty="0"/>
+                        <a:t>0.612</a:t>
+                      </a:r>
+                      <a:r>
+                        <a:rPr lang="ru-RU" sz="1600" dirty="0"/>
+                        <a:t> с</a:t>
+                      </a:r>
+                    </a:p>
+                  </a:txBody>
+                  <a:tcPr/>
+                </a:tc>
+                <a:tc>
+                  <a:txBody>
+                    <a:bodyPr/>
+                    <a:lstStyle/>
+                    <a:p>
+                      <a:r>
+                        <a:rPr lang="en-US" sz="1600" dirty="0"/>
+                        <a:t>0.601</a:t>
+                      </a:r>
+                      <a:r>
+                        <a:rPr lang="ru-RU" sz="1600" dirty="0"/>
+                        <a:t> с</a:t>
+                      </a:r>
+                    </a:p>
+                  </a:txBody>
+                  <a:tcPr/>
+                </a:tc>
+                <a:tc>
+                  <a:txBody>
+                    <a:bodyPr/>
+                    <a:lstStyle/>
+                    <a:p>
+                      <a:r>
+                        <a:rPr lang="en-US" sz="1600" dirty="0"/>
+                        <a:t>0.597</a:t>
+                      </a:r>
+                      <a:r>
+                        <a:rPr lang="ru-RU" sz="1600" dirty="0"/>
+                        <a:t> с</a:t>
+                      </a:r>
+                    </a:p>
+                  </a:txBody>
+                  <a:tcPr/>
+                </a:tc>
+                <a:extLst>
+                  <a:ext uri="{0D108BD9-81ED-4DB2-BD59-A6C34878D82A}">
+                    <a16:rowId xmlns:a16="http://schemas.microsoft.com/office/drawing/2014/main" val="526776840"/>
+                  </a:ext>
+                </a:extLst>
+              </a:tr>
+              <a:tr h="321127">
+                <a:tc>
+                  <a:txBody>
+                    <a:bodyPr/>
+                    <a:lstStyle/>
+                    <a:p>
+                      <a:r>
+                        <a:rPr lang="ru-RU" sz="1600" dirty="0"/>
+                        <a:t>МБР</a:t>
+                      </a:r>
+                    </a:p>
+                  </a:txBody>
+                  <a:tcPr/>
+                </a:tc>
+                <a:tc>
+                  <a:txBody>
+                    <a:bodyPr/>
+                    <a:lstStyle/>
+                    <a:p>
+                      <a:pPr marL="0" marR="0" lvl="0" indent="0" algn="l" defTabSz="457200" rtl="0" eaLnBrk="1" fontAlgn="auto" latinLnBrk="0" hangingPunct="1">
+                        <a:lnSpc>
+                          <a:spcPct val="100000"/>
+                        </a:lnSpc>
+                        <a:spcBef>
+                          <a:spcPts val="0"/>
+                        </a:spcBef>
+                        <a:spcAft>
+                          <a:spcPts val="0"/>
+                        </a:spcAft>
+                        <a:buClrTx/>
+                        <a:buSzTx/>
+                        <a:buFontTx/>
+                        <a:buNone/>
+                        <a:tabLst/>
+                        <a:defRPr/>
+                      </a:pPr>
+                      <a:r>
+                        <a:rPr lang="ru-RU" sz="1600" b="0" i="0" kern="1200" dirty="0">
+                          <a:solidFill>
+                            <a:schemeClr val="dk1"/>
+                          </a:solidFill>
+                          <a:effectLst/>
+                          <a:latin typeface="+mn-lt"/>
+                          <a:ea typeface="+mn-ea"/>
+                          <a:cs typeface="+mn-cs"/>
+                        </a:rPr>
+                        <a:t>1.13</a:t>
+                      </a:r>
+                      <a:r>
+                        <a:rPr lang="en-US" sz="1600" b="0" i="0" kern="1200" dirty="0">
+                          <a:solidFill>
+                            <a:schemeClr val="dk1"/>
+                          </a:solidFill>
+                          <a:effectLst/>
+                          <a:latin typeface="+mn-lt"/>
+                          <a:ea typeface="+mn-ea"/>
+                          <a:cs typeface="+mn-cs"/>
+                        </a:rPr>
+                        <a:t>0</a:t>
+                      </a:r>
+                      <a:r>
+                        <a:rPr lang="ru-RU" sz="1600" b="0" i="0" kern="1200" dirty="0">
+                          <a:solidFill>
+                            <a:schemeClr val="dk1"/>
+                          </a:solidFill>
+                          <a:effectLst/>
+                          <a:latin typeface="+mn-lt"/>
+                          <a:ea typeface="+mn-ea"/>
+                          <a:cs typeface="+mn-cs"/>
+                        </a:rPr>
+                        <a:t> с</a:t>
+                      </a:r>
+                      <a:endParaRPr lang="ru-RU" sz="1600" dirty="0"/>
+                    </a:p>
+                  </a:txBody>
+                  <a:tcPr/>
+                </a:tc>
+                <a:tc>
+                  <a:txBody>
+                    <a:bodyPr/>
+                    <a:lstStyle/>
+                    <a:p>
+                      <a:r>
+                        <a:rPr lang="ru-RU" sz="1600" b="0" i="0" kern="1200" dirty="0">
+                          <a:solidFill>
+                            <a:schemeClr val="dk1"/>
+                          </a:solidFill>
+                          <a:effectLst/>
+                          <a:latin typeface="+mn-lt"/>
+                          <a:ea typeface="+mn-ea"/>
+                          <a:cs typeface="+mn-cs"/>
+                        </a:rPr>
+                        <a:t>6.210 с</a:t>
+                      </a:r>
+                      <a:endParaRPr lang="ru-RU" sz="1600" dirty="0"/>
+                    </a:p>
+                  </a:txBody>
+                  <a:tcPr/>
+                </a:tc>
+                <a:tc>
+                  <a:txBody>
+                    <a:bodyPr/>
+                    <a:lstStyle/>
+                    <a:p>
+                      <a:r>
+                        <a:rPr lang="en-US" sz="1600" b="0" i="0" kern="1200" dirty="0">
+                          <a:solidFill>
+                            <a:schemeClr val="dk1"/>
+                          </a:solidFill>
+                          <a:effectLst/>
+                          <a:latin typeface="+mn-lt"/>
+                          <a:ea typeface="+mn-ea"/>
+                          <a:cs typeface="+mn-cs"/>
+                        </a:rPr>
+                        <a:t>12.5</a:t>
+                      </a:r>
+                      <a:r>
+                        <a:rPr lang="ru-RU" sz="1600" b="0" i="0" kern="1200" dirty="0">
+                          <a:solidFill>
+                            <a:schemeClr val="dk1"/>
+                          </a:solidFill>
+                          <a:effectLst/>
+                          <a:latin typeface="+mn-lt"/>
+                          <a:ea typeface="+mn-ea"/>
+                          <a:cs typeface="+mn-cs"/>
+                        </a:rPr>
+                        <a:t>0 с</a:t>
+                      </a:r>
+                      <a:endParaRPr lang="ru-RU" sz="1600" dirty="0"/>
+                    </a:p>
+                  </a:txBody>
+                  <a:tcPr/>
+                </a:tc>
+                <a:extLst>
+                  <a:ext uri="{0D108BD9-81ED-4DB2-BD59-A6C34878D82A}">
+                    <a16:rowId xmlns:a16="http://schemas.microsoft.com/office/drawing/2014/main" val="874246275"/>
+                  </a:ext>
+                </a:extLst>
+              </a:tr>
+            </a:tbl>
+          </a:graphicData>
+        </a:graphic>
+      </p:graphicFrame>
+      <p:sp>
+        <p:nvSpPr>
+          <p:cNvPr id="7" name="TextBox 6">
+            <a:extLst>
+              <a:ext uri="{FF2B5EF4-FFF2-40B4-BE49-F238E27FC236}">
+                <a16:creationId xmlns:a16="http://schemas.microsoft.com/office/drawing/2014/main" id="{D917954B-6AB8-4AB0-814A-A848FF95D3FD}"/>
+              </a:ext>
+            </a:extLst>
+          </p:cNvPr>
+          <p:cNvSpPr txBox="1"/>
+          <p:nvPr/>
+        </p:nvSpPr>
+        <p:spPr>
+          <a:xfrm>
+            <a:off x="0" y="1258837"/>
+            <a:ext cx="6011774" cy="369332"/>
+          </a:xfrm>
+          <a:prstGeom prst="rect">
+            <a:avLst/>
+          </a:prstGeom>
+          <a:noFill/>
+        </p:spPr>
+        <p:txBody>
+          <a:bodyPr wrap="none" rtlCol="0">
+            <a:spAutoFit/>
+          </a:bodyPr>
+          <a:lstStyle/>
+          <a:p>
+            <a:r>
+              <a:rPr lang="ru-RU" dirty="0"/>
+              <a:t>Таблица 1. Время работы при разном диапазоне значений</a:t>
+            </a:r>
+          </a:p>
+        </p:txBody>
+      </p:sp>
+      <p:graphicFrame>
+        <p:nvGraphicFramePr>
+          <p:cNvPr id="8" name="Таблица 6">
+            <a:extLst>
+              <a:ext uri="{FF2B5EF4-FFF2-40B4-BE49-F238E27FC236}">
+                <a16:creationId xmlns:a16="http://schemas.microsoft.com/office/drawing/2014/main" id="{542A27E8-AAEE-434C-AC88-EF2899105405}"/>
+              </a:ext>
+            </a:extLst>
+          </p:cNvPr>
+          <p:cNvGraphicFramePr>
+            <a:graphicFrameLocks noGrp="1"/>
+          </p:cNvGraphicFramePr>
+          <p:nvPr>
+            <p:extLst>
+              <p:ext uri="{D42A27DB-BD31-4B8C-83A1-F6EECF244321}">
+                <p14:modId xmlns:p14="http://schemas.microsoft.com/office/powerpoint/2010/main" val="2372493992"/>
+              </p:ext>
+            </p:extLst>
+          </p:nvPr>
+        </p:nvGraphicFramePr>
+        <p:xfrm>
+          <a:off x="62593" y="3068022"/>
+          <a:ext cx="5742216" cy="1036320"/>
+        </p:xfrm>
+        <a:graphic>
+          <a:graphicData uri="http://schemas.openxmlformats.org/drawingml/2006/table">
+            <a:tbl>
+              <a:tblPr firstRow="1" bandRow="1">
+                <a:tableStyleId>{5C22544A-7EE6-4342-B048-85BDC9FD1C3A}</a:tableStyleId>
+              </a:tblPr>
+              <a:tblGrid>
+                <a:gridCol w="1684564">
+                  <a:extLst>
+                    <a:ext uri="{9D8B030D-6E8A-4147-A177-3AD203B41FA5}">
+                      <a16:colId xmlns:a16="http://schemas.microsoft.com/office/drawing/2014/main" val="1002753045"/>
+                    </a:ext>
+                  </a:extLst>
+                </a:gridCol>
+                <a:gridCol w="1420586">
+                  <a:extLst>
+                    <a:ext uri="{9D8B030D-6E8A-4147-A177-3AD203B41FA5}">
+                      <a16:colId xmlns:a16="http://schemas.microsoft.com/office/drawing/2014/main" val="4111956038"/>
+                    </a:ext>
+                  </a:extLst>
+                </a:gridCol>
+                <a:gridCol w="1314450">
+                  <a:extLst>
+                    <a:ext uri="{9D8B030D-6E8A-4147-A177-3AD203B41FA5}">
+                      <a16:colId xmlns:a16="http://schemas.microsoft.com/office/drawing/2014/main" val="4145286692"/>
+                    </a:ext>
+                  </a:extLst>
+                </a:gridCol>
+                <a:gridCol w="1322616">
+                  <a:extLst>
+                    <a:ext uri="{9D8B030D-6E8A-4147-A177-3AD203B41FA5}">
+                      <a16:colId xmlns:a16="http://schemas.microsoft.com/office/drawing/2014/main" val="2866919158"/>
+                    </a:ext>
+                  </a:extLst>
+                </a:gridCol>
+              </a:tblGrid>
+              <a:tr h="321127">
+                <a:tc>
+                  <a:txBody>
+                    <a:bodyPr/>
+                    <a:lstStyle/>
+                    <a:p>
+                      <a:r>
+                        <a:rPr lang="ru-RU" sz="1600" dirty="0"/>
+                        <a:t>Хар-ка\</a:t>
+                      </a:r>
+                      <a:r>
+                        <a:rPr lang="en-US" sz="1600" dirty="0"/>
+                        <a:t>eps</a:t>
+                      </a:r>
+                      <a:endParaRPr lang="ru-RU" sz="1600" dirty="0"/>
+                    </a:p>
+                  </a:txBody>
+                  <a:tcPr/>
+                </a:tc>
+                <a:tc>
+                  <a:txBody>
+                    <a:bodyPr/>
+                    <a:lstStyle/>
+                    <a:p>
+                      <a:r>
+                        <a:rPr lang="en-US" sz="1600" dirty="0"/>
+                        <a:t>0.5</a:t>
+                      </a:r>
+                      <a:endParaRPr lang="ru-RU" sz="1600" dirty="0"/>
+                    </a:p>
+                  </a:txBody>
+                  <a:tcPr/>
+                </a:tc>
+                <a:tc>
+                  <a:txBody>
+                    <a:bodyPr/>
+                    <a:lstStyle/>
+                    <a:p>
+                      <a:r>
+                        <a:rPr lang="en-US" sz="1600" dirty="0"/>
+                        <a:t>0.3</a:t>
+                      </a:r>
+                      <a:endParaRPr lang="ru-RU" sz="1600" dirty="0"/>
+                    </a:p>
+                  </a:txBody>
+                  <a:tcPr/>
+                </a:tc>
+                <a:tc>
+                  <a:txBody>
+                    <a:bodyPr/>
+                    <a:lstStyle/>
+                    <a:p>
+                      <a:r>
+                        <a:rPr lang="en-US" sz="1600" dirty="0"/>
+                        <a:t>0.1</a:t>
+                      </a:r>
+                      <a:endParaRPr lang="ru-RU" sz="1600" dirty="0"/>
+                    </a:p>
+                  </a:txBody>
+                  <a:tcPr/>
+                </a:tc>
+                <a:extLst>
+                  <a:ext uri="{0D108BD9-81ED-4DB2-BD59-A6C34878D82A}">
+                    <a16:rowId xmlns:a16="http://schemas.microsoft.com/office/drawing/2014/main" val="345066397"/>
+                  </a:ext>
+                </a:extLst>
+              </a:tr>
+              <a:tr h="321127">
+                <a:tc>
+                  <a:txBody>
+                    <a:bodyPr/>
+                    <a:lstStyle/>
+                    <a:p>
+                      <a:r>
+                        <a:rPr lang="ru-RU" sz="1600" dirty="0"/>
+                        <a:t>Время</a:t>
+                      </a:r>
+                    </a:p>
+                  </a:txBody>
+                  <a:tcPr/>
+                </a:tc>
+                <a:tc>
+                  <a:txBody>
+                    <a:bodyPr/>
+                    <a:lstStyle/>
+                    <a:p>
+                      <a:r>
+                        <a:rPr lang="en-US" sz="1600" dirty="0"/>
+                        <a:t>0.43</a:t>
+                      </a:r>
+                      <a:r>
+                        <a:rPr lang="ru-RU" sz="1600" dirty="0"/>
+                        <a:t> с</a:t>
+                      </a:r>
+                    </a:p>
+                  </a:txBody>
+                  <a:tcPr/>
+                </a:tc>
+                <a:tc>
+                  <a:txBody>
+                    <a:bodyPr/>
+                    <a:lstStyle/>
+                    <a:p>
+                      <a:r>
+                        <a:rPr lang="en-US" sz="1600" dirty="0"/>
+                        <a:t>1.16</a:t>
+                      </a:r>
+                      <a:r>
+                        <a:rPr lang="ru-RU" sz="1600" dirty="0"/>
+                        <a:t> с</a:t>
+                      </a:r>
+                    </a:p>
+                  </a:txBody>
+                  <a:tcPr/>
+                </a:tc>
+                <a:tc>
+                  <a:txBody>
+                    <a:bodyPr/>
+                    <a:lstStyle/>
+                    <a:p>
+                      <a:r>
+                        <a:rPr lang="en-US" sz="1600" dirty="0"/>
+                        <a:t>10.10</a:t>
+                      </a:r>
+                      <a:r>
+                        <a:rPr lang="ru-RU" sz="1600" dirty="0"/>
+                        <a:t> с</a:t>
+                      </a:r>
+                    </a:p>
+                  </a:txBody>
+                  <a:tcPr/>
+                </a:tc>
+                <a:extLst>
+                  <a:ext uri="{0D108BD9-81ED-4DB2-BD59-A6C34878D82A}">
+                    <a16:rowId xmlns:a16="http://schemas.microsoft.com/office/drawing/2014/main" val="526776840"/>
+                  </a:ext>
+                </a:extLst>
+              </a:tr>
+              <a:tr h="321127">
+                <a:tc>
+                  <a:txBody>
+                    <a:bodyPr/>
+                    <a:lstStyle/>
+                    <a:p>
+                      <a:r>
+                        <a:rPr lang="ru-RU" sz="1600" dirty="0"/>
+                        <a:t>Кол-во итераций</a:t>
+                      </a:r>
+                    </a:p>
+                  </a:txBody>
+                  <a:tcPr/>
+                </a:tc>
+                <a:tc>
+                  <a:txBody>
+                    <a:bodyPr/>
+                    <a:lstStyle/>
+                    <a:p>
+                      <a:pPr marL="0" marR="0" lvl="0" indent="0" algn="l" defTabSz="457200" rtl="0" eaLnBrk="1" fontAlgn="auto" latinLnBrk="0" hangingPunct="1">
+                        <a:lnSpc>
+                          <a:spcPct val="100000"/>
+                        </a:lnSpc>
+                        <a:spcBef>
+                          <a:spcPts val="0"/>
+                        </a:spcBef>
+                        <a:spcAft>
+                          <a:spcPts val="0"/>
+                        </a:spcAft>
+                        <a:buClrTx/>
+                        <a:buSzTx/>
+                        <a:buFontTx/>
+                        <a:buNone/>
+                        <a:tabLst/>
+                        <a:defRPr/>
+                      </a:pPr>
+                      <a:r>
+                        <a:rPr lang="ru-RU" sz="1800" b="0" i="0" kern="1200" dirty="0">
+                          <a:solidFill>
+                            <a:schemeClr val="dk1"/>
+                          </a:solidFill>
+                          <a:effectLst/>
+                          <a:latin typeface="+mn-lt"/>
+                          <a:ea typeface="+mn-ea"/>
+                          <a:cs typeface="+mn-cs"/>
+                        </a:rPr>
+                        <a:t>1352</a:t>
+                      </a:r>
+                      <a:endParaRPr lang="ru-RU" sz="1600" dirty="0"/>
+                    </a:p>
+                  </a:txBody>
+                  <a:tcPr/>
+                </a:tc>
+                <a:tc>
+                  <a:txBody>
+                    <a:bodyPr/>
+                    <a:lstStyle/>
+                    <a:p>
+                      <a:r>
+                        <a:rPr lang="ru-RU" sz="1800" b="0" i="0" kern="1200" dirty="0">
+                          <a:solidFill>
+                            <a:schemeClr val="dk1"/>
+                          </a:solidFill>
+                          <a:effectLst/>
+                          <a:latin typeface="+mn-lt"/>
+                          <a:ea typeface="+mn-ea"/>
+                          <a:cs typeface="+mn-cs"/>
+                        </a:rPr>
+                        <a:t>3675</a:t>
+                      </a:r>
+                      <a:endParaRPr lang="ru-RU" sz="1600" dirty="0"/>
+                    </a:p>
+                  </a:txBody>
+                  <a:tcPr/>
+                </a:tc>
+                <a:tc>
+                  <a:txBody>
+                    <a:bodyPr/>
+                    <a:lstStyle/>
+                    <a:p>
+                      <a:r>
+                        <a:rPr lang="en-US" sz="1600" b="0" i="0" kern="1200" dirty="0">
+                          <a:solidFill>
+                            <a:schemeClr val="dk1"/>
+                          </a:solidFill>
+                          <a:effectLst/>
+                          <a:latin typeface="+mn-lt"/>
+                          <a:ea typeface="+mn-ea"/>
+                          <a:cs typeface="+mn-cs"/>
+                        </a:rPr>
+                        <a:t>31514</a:t>
+                      </a:r>
+                      <a:endParaRPr lang="ru-RU" sz="1600" dirty="0"/>
+                    </a:p>
+                  </a:txBody>
+                  <a:tcPr/>
+                </a:tc>
+                <a:extLst>
+                  <a:ext uri="{0D108BD9-81ED-4DB2-BD59-A6C34878D82A}">
+                    <a16:rowId xmlns:a16="http://schemas.microsoft.com/office/drawing/2014/main" val="874246275"/>
+                  </a:ext>
+                </a:extLst>
+              </a:tr>
+            </a:tbl>
+          </a:graphicData>
+        </a:graphic>
+      </p:graphicFrame>
+      <p:sp>
+        <p:nvSpPr>
+          <p:cNvPr id="9" name="TextBox 8">
+            <a:extLst>
+              <a:ext uri="{FF2B5EF4-FFF2-40B4-BE49-F238E27FC236}">
+                <a16:creationId xmlns:a16="http://schemas.microsoft.com/office/drawing/2014/main" id="{8B362E35-4C88-42FB-AF6F-752CC76400D0}"/>
+              </a:ext>
+            </a:extLst>
+          </p:cNvPr>
+          <p:cNvSpPr txBox="1"/>
+          <p:nvPr/>
+        </p:nvSpPr>
+        <p:spPr>
+          <a:xfrm>
+            <a:off x="0" y="2747009"/>
+            <a:ext cx="4583947" cy="369332"/>
+          </a:xfrm>
+          <a:prstGeom prst="rect">
+            <a:avLst/>
+          </a:prstGeom>
+          <a:noFill/>
+        </p:spPr>
+        <p:txBody>
+          <a:bodyPr wrap="none" rtlCol="0">
+            <a:spAutoFit/>
+          </a:bodyPr>
+          <a:lstStyle/>
+          <a:p>
+            <a:r>
+              <a:rPr lang="ru-RU" dirty="0"/>
+              <a:t>Таблица </a:t>
+            </a:r>
+            <a:r>
+              <a:rPr lang="en-US" dirty="0"/>
+              <a:t>2</a:t>
+            </a:r>
+            <a:r>
+              <a:rPr lang="ru-RU" dirty="0"/>
+              <a:t>. Время работы</a:t>
+            </a:r>
+            <a:r>
+              <a:rPr lang="en-US" dirty="0"/>
+              <a:t> </a:t>
+            </a:r>
+            <a:r>
+              <a:rPr lang="ru-RU" dirty="0"/>
+              <a:t>и </a:t>
+            </a:r>
+            <a:r>
+              <a:rPr lang="en-US" dirty="0"/>
+              <a:t>k </a:t>
+            </a:r>
+            <a:r>
+              <a:rPr lang="ru-RU" dirty="0"/>
+              <a:t>при разном </a:t>
+            </a:r>
+            <a:r>
+              <a:rPr lang="en-US" dirty="0"/>
+              <a:t>eps</a:t>
+            </a:r>
+            <a:endParaRPr lang="ru-RU" dirty="0"/>
+          </a:p>
+        </p:txBody>
+      </p:sp>
+      <p:sp>
+        <p:nvSpPr>
+          <p:cNvPr id="10" name="TextBox 9">
+            <a:extLst>
+              <a:ext uri="{FF2B5EF4-FFF2-40B4-BE49-F238E27FC236}">
+                <a16:creationId xmlns:a16="http://schemas.microsoft.com/office/drawing/2014/main" id="{90D01D54-535F-4CA6-80EE-F5A6547E894B}"/>
+              </a:ext>
+            </a:extLst>
+          </p:cNvPr>
+          <p:cNvSpPr txBox="1"/>
+          <p:nvPr/>
+        </p:nvSpPr>
+        <p:spPr>
+          <a:xfrm>
+            <a:off x="6183224" y="1632618"/>
+            <a:ext cx="3069632" cy="1569660"/>
+          </a:xfrm>
+          <a:prstGeom prst="rect">
+            <a:avLst/>
+          </a:prstGeom>
+          <a:noFill/>
+        </p:spPr>
+        <p:txBody>
+          <a:bodyPr wrap="square" rtlCol="0">
+            <a:spAutoFit/>
+          </a:bodyPr>
+          <a:lstStyle/>
+          <a:p>
+            <a:r>
+              <a:rPr lang="ru-RU" sz="1600" dirty="0"/>
+              <a:t>Заметно, что метод Брауна-Робинсона чувствителен к различным входным характеристикам, а метод сведения к ЗЛП работает более стабильно.</a:t>
+            </a:r>
+          </a:p>
+        </p:txBody>
+      </p:sp>
+    </p:spTree>
+    <p:extLst>
+      <p:ext uri="{BB962C8B-B14F-4D97-AF65-F5344CB8AC3E}">
+        <p14:creationId xmlns:p14="http://schemas.microsoft.com/office/powerpoint/2010/main" val="1339449620"/>
+      </p:ext>
+    </p:extLst>
+  </p:cSld>
+  <p:clrMapOvr>
+    <a:masterClrMapping/>
+  </p:clrMapOvr>
+</p:sld>
+</file>
+
+<file path=ppt/slides/slide8.xml><?xml version="1.0" encoding="utf-8"?>
+<p:sld xmlns:a="http://schemas.openxmlformats.org/drawingml/2006/main" xmlns:r="http://schemas.openxmlformats.org/officeDocument/2006/relationships" xmlns:p="http://schemas.openxmlformats.org/presentationml/2006/main">
+  <p:cSld>
+    <p:spTree>
+      <p:nvGrpSpPr>
+        <p:cNvPr id="1" name=""/>
+        <p:cNvGrpSpPr/>
+        <p:nvPr/>
+      </p:nvGrpSpPr>
+      <p:grpSpPr>
+        <a:xfrm>
+          <a:off x="0" y="0"/>
+          <a:ext cx="0" cy="0"/>
+          <a:chOff x="0" y="0"/>
+          <a:chExt cx="0" cy="0"/>
+        </a:xfrm>
+      </p:grpSpPr>
+      <p:sp>
+        <p:nvSpPr>
+          <p:cNvPr id="6" name="Title 1">
+            <a:extLst>
+              <a:ext uri="{FF2B5EF4-FFF2-40B4-BE49-F238E27FC236}">
+                <a16:creationId xmlns:a16="http://schemas.microsoft.com/office/drawing/2014/main" id="{290FAFEE-B028-44A8-8F57-9D774A87E2B5}"/>
+              </a:ext>
+            </a:extLst>
+          </p:cNvPr>
+          <p:cNvSpPr>
+            <a:spLocks noGrp="1"/>
+          </p:cNvSpPr>
+          <p:nvPr>
+            <p:ph type="title"/>
+          </p:nvPr>
+        </p:nvSpPr>
+        <p:spPr>
+          <a:xfrm>
+            <a:off x="0" y="61604"/>
+            <a:ext cx="8745054" cy="441520"/>
+          </a:xfrm>
+        </p:spPr>
+        <p:txBody>
+          <a:bodyPr>
+            <a:noAutofit/>
+          </a:bodyPr>
+          <a:lstStyle/>
+          <a:p>
+            <a:r>
+              <a:rPr lang="ru-RU" sz="2500" b="1" dirty="0">
+                <a:solidFill>
+                  <a:srgbClr val="0230AC"/>
+                </a:solidFill>
+              </a:rPr>
               <a:t>Вывод</a:t>
             </a:r>
             <a:endParaRPr lang="en-US" sz="2500" b="1" dirty="0">
@@ -7108,7 +9052,7 @@
 </p:sld>
 </file>
 
-<file path=ppt/slides/slide6.xml><?xml version="1.0" encoding="utf-8"?>
+<file path=ppt/slides/slide9.xml><?xml version="1.0" encoding="utf-8"?>
 <p:sld xmlns:a="http://schemas.openxmlformats.org/drawingml/2006/main" xmlns:r="http://schemas.openxmlformats.org/officeDocument/2006/relationships" xmlns:p="http://schemas.openxmlformats.org/presentationml/2006/main">
   <p:cSld>
     <p:bg>
